--- a/Group4_Presentation.pptx
+++ b/Group4_Presentation.pptx
@@ -9260,7 +9260,7 @@
         </p:spPr>
         <p:txBody>
           <a:bodyPr anchorCtr="0" anchor="t" bIns="91425" lIns="91425" spcFirstLastPara="1" rIns="91425" wrap="square" tIns="91425">
-            <a:normAutofit lnSpcReduction="10000"/>
+            <a:normAutofit fontScale="92500" lnSpcReduction="20000"/>
           </a:bodyPr>
           <a:lstStyle/>
           <a:p>
@@ -9355,6 +9355,50 @@
             <a:r>
               <a:rPr lang="en"/>
               <a:t>Bryan Patrick King Schilhab</a:t>
+            </a:r>
+            <a:endParaRPr/>
+          </a:p>
+          <a:p>
+            <a:pPr indent="0" lvl="0" marL="0" rtl="0" algn="l">
+              <a:spcBef>
+                <a:spcPts val="0"/>
+              </a:spcBef>
+              <a:spcAft>
+                <a:spcPts val="0"/>
+              </a:spcAft>
+              <a:buNone/>
+            </a:pPr>
+            <a:r>
+              <a:t/>
+            </a:r>
+            <a:endParaRPr/>
+          </a:p>
+          <a:p>
+            <a:pPr indent="0" lvl="0" marL="0" rtl="0" algn="l">
+              <a:spcBef>
+                <a:spcPts val="0"/>
+              </a:spcBef>
+              <a:spcAft>
+                <a:spcPts val="0"/>
+              </a:spcAft>
+              <a:buNone/>
+            </a:pPr>
+            <a:r>
+              <a:rPr lang="en"/>
+              <a:t>Project repository link - </a:t>
+            </a:r>
+            <a:r>
+              <a:rPr lang="en" u="sng">
+                <a:solidFill>
+                  <a:schemeClr val="hlink"/>
+                </a:solidFill>
+                <a:hlinkClick r:id="rId3"/>
+              </a:rPr>
+              <a:t>https://github.com/CharlieCoxAustin/GroupAssignment2</a:t>
+            </a:r>
+            <a:r>
+              <a:rPr lang="en"/>
+              <a:t> </a:t>
             </a:r>
             <a:endParaRPr/>
           </a:p>
